--- a/presentations/Session_6_SC_Config.pptx
+++ b/presentations/Session_6_SC_Config.pptx
@@ -143,7 +143,7 @@
       </p14:sectionLst>
     </p:ext>
     <p:ext uri="{EFAFB233-063F-42B5-8137-9DF3F51BA10A}">
-      <p15:sldGuideLst xmlns:p15="http://schemas.microsoft.com/office/powerpoint/2012/main">
+      <p15:sldGuideLst xmlns:p15="http://schemas.microsoft.com/office/powerpoint/2012/main" xmlns="">
         <p15:guide id="1" orient="horz" pos="1620">
           <p15:clr>
             <a:srgbClr val="A4A3A4"/>
@@ -242,7 +242,7 @@
           <a:p>
             <a:fld id="{372E5B6B-8713-8747-AE5B-F1241B2BF5F0}" type="datetimeFigureOut">
               <a:rPr lang="en-US" smtClean="0"/>
-              <a:t>8/6/17</a:t>
+              <a:t>4/24/18</a:t>
             </a:fld>
             <a:endParaRPr lang="en-US"/>
           </a:p>
@@ -408,7 +408,7 @@
           <a:p>
             <a:fld id="{7E7B7340-DDD5-1B49-81AA-25BC4050C073}" type="datetimeFigureOut">
               <a:rPr lang="en-US" smtClean="0"/>
-              <a:t>8/6/17</a:t>
+              <a:t>4/24/18</a:t>
             </a:fld>
             <a:endParaRPr lang="en-US"/>
           </a:p>
@@ -3006,7 +3006,7 @@
   <p:clrMapOvr>
     <a:masterClrMapping/>
   </p:clrMapOvr>
-  <p:transition spd="med"/>
+  <p:transition xmlns:p14="http://schemas.microsoft.com/office/powerpoint/2010/main" spd="med"/>
 </p:sldLayout>
 </file>
 
@@ -3538,7 +3538,7 @@
   <p:timing>
     <p:tnLst>
       <p:par>
-        <p:cTn id="1" dur="indefinite" restart="never" nodeType="tmRoot"/>
+        <p:cTn xmlns:p14="http://schemas.microsoft.com/office/powerpoint/2010/main" id="1" dur="indefinite" restart="never" nodeType="tmRoot"/>
       </p:par>
     </p:tnLst>
   </p:timing>
@@ -4066,7 +4066,7 @@
   <p:timing>
     <p:tnLst>
       <p:par>
-        <p:cTn id="1" dur="indefinite" restart="never" nodeType="tmRoot"/>
+        <p:cTn xmlns:p14="http://schemas.microsoft.com/office/powerpoint/2010/main" id="1" dur="indefinite" restart="never" nodeType="tmRoot"/>
       </p:par>
     </p:tnLst>
   </p:timing>
@@ -4244,7 +4244,7 @@
   <p:timing>
     <p:tnLst>
       <p:par>
-        <p:cTn id="1" dur="indefinite" restart="never" nodeType="tmRoot"/>
+        <p:cTn xmlns:p14="http://schemas.microsoft.com/office/powerpoint/2010/main" id="1" dur="indefinite" restart="never" nodeType="tmRoot"/>
       </p:par>
     </p:tnLst>
   </p:timing>
@@ -4337,7 +4337,7 @@
   <p:timing>
     <p:tnLst>
       <p:par>
-        <p:cTn id="1" dur="indefinite" restart="never" nodeType="tmRoot"/>
+        <p:cTn xmlns:p14="http://schemas.microsoft.com/office/powerpoint/2010/main" id="1" dur="indefinite" restart="never" nodeType="tmRoot"/>
       </p:par>
     </p:tnLst>
   </p:timing>
@@ -4416,13 +4416,13 @@
   <p:clrMapOvr>
     <a:masterClrMapping/>
   </p:clrMapOvr>
-  <p:transition>
+  <p:transition xmlns:p14="http://schemas.microsoft.com/office/powerpoint/2010/main">
     <p:fade/>
   </p:transition>
   <p:timing>
     <p:tnLst>
       <p:par>
-        <p:cTn id="1" dur="indefinite" restart="never" nodeType="tmRoot"/>
+        <p:cTn xmlns:p14="http://schemas.microsoft.com/office/powerpoint/2010/main" id="1" dur="indefinite" restart="never" nodeType="tmRoot"/>
       </p:par>
     </p:tnLst>
   </p:timing>
@@ -4885,7 +4885,7 @@
   <p:clrMapOvr>
     <a:masterClrMapping/>
   </p:clrMapOvr>
-  <p:transition spd="med"/>
+  <p:transition xmlns:p14="http://schemas.microsoft.com/office/powerpoint/2010/main" spd="med"/>
 </p:sldLayout>
 </file>
 
@@ -5931,7 +5931,7 @@
   <p:timing>
     <p:tnLst>
       <p:par>
-        <p:cTn id="1" dur="indefinite" restart="never" nodeType="tmRoot"/>
+        <p:cTn xmlns:p14="http://schemas.microsoft.com/office/powerpoint/2010/main" id="1" dur="indefinite" restart="never" nodeType="tmRoot"/>
       </p:par>
     </p:tnLst>
   </p:timing>
@@ -6109,7 +6109,7 @@
   <p:timing>
     <p:tnLst>
       <p:par>
-        <p:cTn id="1" dur="indefinite" restart="never" nodeType="tmRoot"/>
+        <p:cTn xmlns:p14="http://schemas.microsoft.com/office/powerpoint/2010/main" id="1" dur="indefinite" restart="never" nodeType="tmRoot"/>
       </p:par>
     </p:tnLst>
   </p:timing>
@@ -6202,7 +6202,7 @@
   <p:timing>
     <p:tnLst>
       <p:par>
-        <p:cTn id="1" dur="indefinite" restart="never" nodeType="tmRoot"/>
+        <p:cTn xmlns:p14="http://schemas.microsoft.com/office/powerpoint/2010/main" id="1" dur="indefinite" restart="never" nodeType="tmRoot"/>
       </p:par>
     </p:tnLst>
   </p:timing>
@@ -6281,13 +6281,13 @@
   <p:clrMapOvr>
     <a:masterClrMapping/>
   </p:clrMapOvr>
-  <p:transition>
+  <p:transition xmlns:p14="http://schemas.microsoft.com/office/powerpoint/2010/main">
     <p:fade/>
   </p:transition>
   <p:timing>
     <p:tnLst>
       <p:par>
-        <p:cTn id="1" dur="indefinite" restart="never" nodeType="tmRoot"/>
+        <p:cTn xmlns:p14="http://schemas.microsoft.com/office/powerpoint/2010/main" id="1" dur="indefinite" restart="never" nodeType="tmRoot"/>
       </p:par>
     </p:tnLst>
   </p:timing>
@@ -7666,7 +7666,7 @@
   <p:timing>
     <p:tnLst>
       <p:par>
-        <p:cTn id="1" dur="indefinite" restart="never" nodeType="tmRoot"/>
+        <p:cTn xmlns:p14="http://schemas.microsoft.com/office/powerpoint/2010/main" id="1" dur="indefinite" restart="never" nodeType="tmRoot"/>
       </p:par>
     </p:tnLst>
   </p:timing>
@@ -7999,7 +7999,7 @@
   <p:timing>
     <p:tnLst>
       <p:par>
-        <p:cTn id="1" dur="indefinite" restart="never" nodeType="tmRoot"/>
+        <p:cTn xmlns:p14="http://schemas.microsoft.com/office/powerpoint/2010/main" id="1" dur="indefinite" restart="never" nodeType="tmRoot"/>
       </p:par>
     </p:tnLst>
   </p:timing>
@@ -8503,30 +8503,6 @@
           </a:p>
         </p:txBody>
       </p:sp>
-      <p:pic>
-        <p:nvPicPr>
-          <p:cNvPr id="9" name="Picture 8"/>
-          <p:cNvPicPr>
-            <a:picLocks noChangeAspect="1"/>
-          </p:cNvPicPr>
-          <p:nvPr/>
-        </p:nvPicPr>
-        <p:blipFill>
-          <a:blip r:embed="rId5"/>
-          <a:stretch>
-            <a:fillRect/>
-          </a:stretch>
-        </p:blipFill>
-        <p:spPr>
-          <a:xfrm>
-            <a:off x="7261412" y="215642"/>
-            <a:ext cx="1652494" cy="435864"/>
-          </a:xfrm>
-          <a:prstGeom prst="rect">
-            <a:avLst/>
-          </a:prstGeom>
-        </p:spPr>
-      </p:pic>
     </p:spTree>
     <p:extLst>
       <p:ext uri="{BB962C8B-B14F-4D97-AF65-F5344CB8AC3E}">
@@ -8540,7 +8516,7 @@
   <p:timing>
     <p:tnLst>
       <p:par>
-        <p:cTn id="1" dur="indefinite" restart="never" nodeType="tmRoot"/>
+        <p:cTn xmlns:p14="http://schemas.microsoft.com/office/powerpoint/2010/main" id="1" dur="indefinite" restart="never" nodeType="tmRoot"/>
       </p:par>
     </p:tnLst>
   </p:timing>
@@ -8777,7 +8753,7 @@
   <p:timing>
     <p:tnLst>
       <p:par>
-        <p:cTn id="1" dur="indefinite" restart="never" nodeType="tmRoot"/>
+        <p:cTn xmlns:p14="http://schemas.microsoft.com/office/powerpoint/2010/main" id="1" dur="indefinite" restart="never" nodeType="tmRoot"/>
       </p:par>
     </p:tnLst>
   </p:timing>
@@ -9165,7 +9141,7 @@
   <p:timing>
     <p:tnLst>
       <p:par>
-        <p:cTn id="1" dur="indefinite" restart="never" nodeType="tmRoot"/>
+        <p:cTn xmlns:p14="http://schemas.microsoft.com/office/powerpoint/2010/main" id="1" dur="indefinite" restart="never" nodeType="tmRoot"/>
       </p:par>
     </p:tnLst>
   </p:timing>
@@ -9368,7 +9344,7 @@
   <p:timing>
     <p:tnLst>
       <p:par>
-        <p:cTn id="1" dur="indefinite" restart="never" nodeType="tmRoot"/>
+        <p:cTn xmlns:p14="http://schemas.microsoft.com/office/powerpoint/2010/main" id="1" dur="indefinite" restart="never" nodeType="tmRoot"/>
       </p:par>
     </p:tnLst>
   </p:timing>
@@ -9459,7 +9435,7 @@
   <p:timing>
     <p:tnLst>
       <p:par>
-        <p:cTn id="1" dur="indefinite" restart="never" nodeType="tmRoot"/>
+        <p:cTn xmlns:p14="http://schemas.microsoft.com/office/powerpoint/2010/main" id="1" dur="indefinite" restart="never" nodeType="tmRoot"/>
       </p:par>
     </p:tnLst>
   </p:timing>
@@ -9617,7 +9593,7 @@
   <p:timing>
     <p:tnLst>
       <p:par>
-        <p:cTn id="1" dur="indefinite" restart="never" nodeType="tmRoot"/>
+        <p:cTn xmlns:p14="http://schemas.microsoft.com/office/powerpoint/2010/main" id="1" dur="indefinite" restart="never" nodeType="tmRoot"/>
       </p:par>
     </p:tnLst>
   </p:timing>
@@ -10209,7 +10185,7 @@
   <p:timing>
     <p:tnLst>
       <p:par>
-        <p:cTn id="1" dur="indefinite" restart="never" nodeType="tmRoot">
+        <p:cTn xmlns:p14="http://schemas.microsoft.com/office/powerpoint/2010/main" id="1" dur="indefinite" restart="never" nodeType="tmRoot">
           <p:childTnLst>
             <p:seq concurrent="1" nextAc="seek">
               <p:cTn id="2" dur="indefinite" nodeType="mainSeq">
@@ -11133,7 +11109,7 @@
   <p:timing>
     <p:tnLst>
       <p:par>
-        <p:cTn id="1" dur="indefinite" restart="never" nodeType="tmRoot">
+        <p:cTn xmlns:p14="http://schemas.microsoft.com/office/powerpoint/2010/main" id="1" dur="indefinite" restart="never" nodeType="tmRoot">
           <p:childTnLst>
             <p:seq concurrent="1" nextAc="seek">
               <p:cTn id="2" dur="indefinite" nodeType="mainSeq">
@@ -11584,7 +11560,7 @@
   <p:timing>
     <p:tnLst>
       <p:par>
-        <p:cTn id="1" dur="indefinite" restart="never" nodeType="tmRoot"/>
+        <p:cTn xmlns:p14="http://schemas.microsoft.com/office/powerpoint/2010/main" id="1" dur="indefinite" restart="never" nodeType="tmRoot"/>
       </p:par>
     </p:tnLst>
   </p:timing>
@@ -11873,7 +11849,7 @@
   <p:timing>
     <p:tnLst>
       <p:par>
-        <p:cTn id="1" dur="indefinite" restart="never" nodeType="tmRoot"/>
+        <p:cTn xmlns:p14="http://schemas.microsoft.com/office/powerpoint/2010/main" id="1" dur="indefinite" restart="never" nodeType="tmRoot"/>
       </p:par>
     </p:tnLst>
   </p:timing>
@@ -11974,7 +11950,7 @@
   <p:timing>
     <p:tnLst>
       <p:par>
-        <p:cTn id="1" dur="indefinite" restart="never" nodeType="tmRoot"/>
+        <p:cTn xmlns:p14="http://schemas.microsoft.com/office/powerpoint/2010/main" id="1" dur="indefinite" restart="never" nodeType="tmRoot"/>
       </p:par>
     </p:tnLst>
   </p:timing>
